--- a/slides/BJB_6_NumPy.pptx
+++ b/slides/BJB_6_NumPy.pptx
@@ -17404,7 +17404,7 @@
         <p:spPr>
           <a:xfrm>
             <a:off x="454182" y="1528866"/>
-            <a:ext cx="8001000" cy="1477328"/>
+            <a:ext cx="8001000" cy="646331"/>
           </a:xfrm>
           <a:prstGeom prst="rect">
             <a:avLst/>
@@ -17427,35 +17427,8 @@
                 <a:ea typeface="Helvetica Neue Light" panose="02000403000000020004" pitchFamily="2" charset="0"/>
                 <a:cs typeface="Helvetica Neue" panose="02000503000000020004" pitchFamily="2" charset="0"/>
               </a:rPr>
-              <a:t>I really like the new breakout room format. One thing I am still unclear about is the difference between functions and methods, and how to write a function vs writing a method. </a:t>
-            </a:r>
-            <a:r>
-              <a:rPr lang="en-US" b="1" dirty="0">
-                <a:solidFill>
-                  <a:schemeClr val="bg2"/>
-                </a:solidFill>
-                <a:latin typeface="Helvetica Neue Light" panose="02000403000000020004" pitchFamily="2" charset="0"/>
-                <a:ea typeface="Helvetica Neue Light" panose="02000403000000020004" pitchFamily="2" charset="0"/>
-                <a:cs typeface="Helvetica Neue" panose="02000503000000020004" pitchFamily="2" charset="0"/>
-              </a:rPr>
-              <a:t>Today(!)</a:t>
-            </a:r>
-            <a:endParaRPr lang="en-US" dirty="0">
-              <a:latin typeface="Helvetica Neue Light" panose="02000403000000020004" pitchFamily="2" charset="0"/>
-              <a:ea typeface="Helvetica Neue Light" panose="02000403000000020004" pitchFamily="2" charset="0"/>
-              <a:cs typeface="Helvetica Neue" panose="02000503000000020004" pitchFamily="2" charset="0"/>
-            </a:endParaRPr>
-          </a:p>
-          <a:p>
-            <a:pPr marL="457200" indent="-457200">
-              <a:buFont typeface="Arial" panose="020B0604020202020204" pitchFamily="34" charset="0"/>
-              <a:buChar char="•"/>
-            </a:pPr>
-            <a:endParaRPr lang="en-US" dirty="0">
-              <a:latin typeface="Helvetica Neue Light" panose="02000403000000020004" pitchFamily="2" charset="0"/>
-              <a:ea typeface="Helvetica Neue Light" panose="02000403000000020004" pitchFamily="2" charset="0"/>
-              <a:cs typeface="Helvetica Neue" panose="02000503000000020004" pitchFamily="2" charset="0"/>
-            </a:endParaRPr>
+              <a:t> </a:t>
+            </a:r>
           </a:p>
           <a:p>
             <a:endParaRPr lang="en-US" dirty="0">
